--- a/docs/assets/fractals/squares/window.pptx
+++ b/docs/assets/fractals/squares/window.pptx
@@ -104,6 +104,11 @@
       </a:defRPr>
     </a:lvl9pPr>
   </p:defaultTextStyle>
+  <p:extLst>
+    <p:ext uri="{EFAFB233-063F-42B5-8137-9DF3F51BA10A}">
+      <p15:sldGuideLst xmlns:p15="http://schemas.microsoft.com/office/powerpoint/2012/main"/>
+    </p:ext>
+  </p:extLst>
 </p:presentation>
 </file>
 
@@ -238,7 +243,7 @@
           <a:p>
             <a:fld id="{02804E0B-E416-A24D-9955-1DEFDA71E5A9}" type="datetimeFigureOut">
               <a:rPr lang="en-GB" smtClean="0"/>
-              <a:t>19/08/2024</a:t>
+              <a:t>24/10/2024</a:t>
             </a:fld>
             <a:endParaRPr lang="en-GB"/>
           </a:p>
@@ -408,7 +413,7 @@
           <a:p>
             <a:fld id="{02804E0B-E416-A24D-9955-1DEFDA71E5A9}" type="datetimeFigureOut">
               <a:rPr lang="en-GB" smtClean="0"/>
-              <a:t>19/08/2024</a:t>
+              <a:t>24/10/2024</a:t>
             </a:fld>
             <a:endParaRPr lang="en-GB"/>
           </a:p>
@@ -588,7 +593,7 @@
           <a:p>
             <a:fld id="{02804E0B-E416-A24D-9955-1DEFDA71E5A9}" type="datetimeFigureOut">
               <a:rPr lang="en-GB" smtClean="0"/>
-              <a:t>19/08/2024</a:t>
+              <a:t>24/10/2024</a:t>
             </a:fld>
             <a:endParaRPr lang="en-GB"/>
           </a:p>
@@ -758,7 +763,7 @@
           <a:p>
             <a:fld id="{02804E0B-E416-A24D-9955-1DEFDA71E5A9}" type="datetimeFigureOut">
               <a:rPr lang="en-GB" smtClean="0"/>
-              <a:t>19/08/2024</a:t>
+              <a:t>24/10/2024</a:t>
             </a:fld>
             <a:endParaRPr lang="en-GB"/>
           </a:p>
@@ -1002,7 +1007,7 @@
           <a:p>
             <a:fld id="{02804E0B-E416-A24D-9955-1DEFDA71E5A9}" type="datetimeFigureOut">
               <a:rPr lang="en-GB" smtClean="0"/>
-              <a:t>19/08/2024</a:t>
+              <a:t>24/10/2024</a:t>
             </a:fld>
             <a:endParaRPr lang="en-GB"/>
           </a:p>
@@ -1234,7 +1239,7 @@
           <a:p>
             <a:fld id="{02804E0B-E416-A24D-9955-1DEFDA71E5A9}" type="datetimeFigureOut">
               <a:rPr lang="en-GB" smtClean="0"/>
-              <a:t>19/08/2024</a:t>
+              <a:t>24/10/2024</a:t>
             </a:fld>
             <a:endParaRPr lang="en-GB"/>
           </a:p>
@@ -1601,7 +1606,7 @@
           <a:p>
             <a:fld id="{02804E0B-E416-A24D-9955-1DEFDA71E5A9}" type="datetimeFigureOut">
               <a:rPr lang="en-GB" smtClean="0"/>
-              <a:t>19/08/2024</a:t>
+              <a:t>24/10/2024</a:t>
             </a:fld>
             <a:endParaRPr lang="en-GB"/>
           </a:p>
@@ -1719,7 +1724,7 @@
           <a:p>
             <a:fld id="{02804E0B-E416-A24D-9955-1DEFDA71E5A9}" type="datetimeFigureOut">
               <a:rPr lang="en-GB" smtClean="0"/>
-              <a:t>19/08/2024</a:t>
+              <a:t>24/10/2024</a:t>
             </a:fld>
             <a:endParaRPr lang="en-GB"/>
           </a:p>
@@ -1814,7 +1819,7 @@
           <a:p>
             <a:fld id="{02804E0B-E416-A24D-9955-1DEFDA71E5A9}" type="datetimeFigureOut">
               <a:rPr lang="en-GB" smtClean="0"/>
-              <a:t>19/08/2024</a:t>
+              <a:t>24/10/2024</a:t>
             </a:fld>
             <a:endParaRPr lang="en-GB"/>
           </a:p>
@@ -2091,7 +2096,7 @@
           <a:p>
             <a:fld id="{02804E0B-E416-A24D-9955-1DEFDA71E5A9}" type="datetimeFigureOut">
               <a:rPr lang="en-GB" smtClean="0"/>
-              <a:t>19/08/2024</a:t>
+              <a:t>24/10/2024</a:t>
             </a:fld>
             <a:endParaRPr lang="en-GB"/>
           </a:p>
@@ -2348,7 +2353,7 @@
           <a:p>
             <a:fld id="{02804E0B-E416-A24D-9955-1DEFDA71E5A9}" type="datetimeFigureOut">
               <a:rPr lang="en-GB" smtClean="0"/>
-              <a:t>19/08/2024</a:t>
+              <a:t>24/10/2024</a:t>
             </a:fld>
             <a:endParaRPr lang="en-GB"/>
           </a:p>
@@ -2561,7 +2566,7 @@
           <a:p>
             <a:fld id="{02804E0B-E416-A24D-9955-1DEFDA71E5A9}" type="datetimeFigureOut">
               <a:rPr lang="en-GB" smtClean="0"/>
-              <a:t>19/08/2024</a:t>
+              <a:t>24/10/2024</a:t>
             </a:fld>
             <a:endParaRPr lang="en-GB"/>
           </a:p>
@@ -2983,7 +2988,7 @@
               <p:nvPr>
                 <p:extLst>
                   <p:ext uri="{D42A27DB-BD31-4B8C-83A1-F6EECF244321}">
-                    <p14:modId xmlns:p14="http://schemas.microsoft.com/office/powerpoint/2010/main" val="3752094550"/>
+                    <p14:modId xmlns:p14="http://schemas.microsoft.com/office/powerpoint/2010/main" val="4290123232"/>
                   </p:ext>
                 </p:extLst>
               </p:nvPr>
@@ -3080,7 +3085,7 @@
               <p:nvPr>
                 <p:extLst>
                   <p:ext uri="{D42A27DB-BD31-4B8C-83A1-F6EECF244321}">
-                    <p14:modId xmlns:p14="http://schemas.microsoft.com/office/powerpoint/2010/main" val="2706979661"/>
+                    <p14:modId xmlns:p14="http://schemas.microsoft.com/office/powerpoint/2010/main" val="605798239"/>
                   </p:ext>
                 </p:extLst>
               </p:nvPr>
@@ -3177,7 +3182,7 @@
               <p:nvPr>
                 <p:extLst>
                   <p:ext uri="{D42A27DB-BD31-4B8C-83A1-F6EECF244321}">
-                    <p14:modId xmlns:p14="http://schemas.microsoft.com/office/powerpoint/2010/main" val="757172216"/>
+                    <p14:modId xmlns:p14="http://schemas.microsoft.com/office/powerpoint/2010/main" val="3125577185"/>
                   </p:ext>
                 </p:extLst>
               </p:nvPr>
@@ -3274,7 +3279,7 @@
               <p:nvPr>
                 <p:extLst>
                   <p:ext uri="{D42A27DB-BD31-4B8C-83A1-F6EECF244321}">
-                    <p14:modId xmlns:p14="http://schemas.microsoft.com/office/powerpoint/2010/main" val="1549641063"/>
+                    <p14:modId xmlns:p14="http://schemas.microsoft.com/office/powerpoint/2010/main" val="3861797043"/>
                   </p:ext>
                 </p:extLst>
               </p:nvPr>
@@ -3354,222 +3359,6 @@
           </p:pic>
         </mc:Fallback>
       </mc:AlternateContent>
-      <p:sp>
-        <p:nvSpPr>
-          <p:cNvPr id="10" name="Rectangle 9">
-            <a:extLst>
-              <a:ext uri="{FF2B5EF4-FFF2-40B4-BE49-F238E27FC236}">
-                <a16:creationId xmlns:a16="http://schemas.microsoft.com/office/drawing/2014/main" id="{8CDD3E84-F6AC-F0DC-E403-652FEAC6512F}"/>
-              </a:ext>
-            </a:extLst>
-          </p:cNvPr>
-          <p:cNvSpPr/>
-          <p:nvPr/>
-        </p:nvSpPr>
-        <p:spPr>
-          <a:xfrm>
-            <a:off x="0" y="0"/>
-            <a:ext cx="4320381" cy="4320381"/>
-          </a:xfrm>
-          <a:prstGeom prst="rect">
-            <a:avLst/>
-          </a:prstGeom>
-          <a:solidFill>
-            <a:srgbClr val="FF2600">
-              <a:alpha val="9804"/>
-            </a:srgbClr>
-          </a:solidFill>
-          <a:ln>
-            <a:noFill/>
-          </a:ln>
-        </p:spPr>
-        <p:style>
-          <a:lnRef idx="2">
-            <a:schemeClr val="accent1">
-              <a:shade val="50000"/>
-            </a:schemeClr>
-          </a:lnRef>
-          <a:fillRef idx="1">
-            <a:schemeClr val="accent1"/>
-          </a:fillRef>
-          <a:effectRef idx="0">
-            <a:schemeClr val="accent1"/>
-          </a:effectRef>
-          <a:fontRef idx="minor">
-            <a:schemeClr val="lt1"/>
-          </a:fontRef>
-        </p:style>
-        <p:txBody>
-          <a:bodyPr rtlCol="0" anchor="ctr"/>
-          <a:lstStyle/>
-          <a:p>
-            <a:pPr algn="ctr"/>
-            <a:endParaRPr lang="en-GB"/>
-          </a:p>
-        </p:txBody>
-      </p:sp>
-      <p:sp>
-        <p:nvSpPr>
-          <p:cNvPr id="11" name="Rectangle 10">
-            <a:extLst>
-              <a:ext uri="{FF2B5EF4-FFF2-40B4-BE49-F238E27FC236}">
-                <a16:creationId xmlns:a16="http://schemas.microsoft.com/office/drawing/2014/main" id="{5DFDB921-389A-B0DE-18A9-C85088D8DB9C}"/>
-              </a:ext>
-            </a:extLst>
-          </p:cNvPr>
-          <p:cNvSpPr/>
-          <p:nvPr/>
-        </p:nvSpPr>
-        <p:spPr>
-          <a:xfrm>
-            <a:off x="4320000" y="4320000"/>
-            <a:ext cx="4320381" cy="4320381"/>
-          </a:xfrm>
-          <a:prstGeom prst="rect">
-            <a:avLst/>
-          </a:prstGeom>
-          <a:solidFill>
-            <a:srgbClr val="FBE800">
-              <a:alpha val="15000"/>
-            </a:srgbClr>
-          </a:solidFill>
-          <a:ln>
-            <a:noFill/>
-          </a:ln>
-        </p:spPr>
-        <p:style>
-          <a:lnRef idx="2">
-            <a:schemeClr val="accent1">
-              <a:shade val="50000"/>
-            </a:schemeClr>
-          </a:lnRef>
-          <a:fillRef idx="1">
-            <a:schemeClr val="accent1"/>
-          </a:fillRef>
-          <a:effectRef idx="0">
-            <a:schemeClr val="accent1"/>
-          </a:effectRef>
-          <a:fontRef idx="minor">
-            <a:schemeClr val="lt1"/>
-          </a:fontRef>
-        </p:style>
-        <p:txBody>
-          <a:bodyPr rtlCol="0" anchor="ctr"/>
-          <a:lstStyle/>
-          <a:p>
-            <a:pPr algn="ctr"/>
-            <a:endParaRPr lang="en-GB"/>
-          </a:p>
-        </p:txBody>
-      </p:sp>
-      <p:sp>
-        <p:nvSpPr>
-          <p:cNvPr id="12" name="Rectangle 11">
-            <a:extLst>
-              <a:ext uri="{FF2B5EF4-FFF2-40B4-BE49-F238E27FC236}">
-                <a16:creationId xmlns:a16="http://schemas.microsoft.com/office/drawing/2014/main" id="{3C1A595E-4FB7-F222-8614-AA9B526B2A01}"/>
-              </a:ext>
-            </a:extLst>
-          </p:cNvPr>
-          <p:cNvSpPr/>
-          <p:nvPr/>
-        </p:nvSpPr>
-        <p:spPr>
-          <a:xfrm>
-            <a:off x="4319809" y="0"/>
-            <a:ext cx="4320381" cy="4320381"/>
-          </a:xfrm>
-          <a:prstGeom prst="rect">
-            <a:avLst/>
-          </a:prstGeom>
-          <a:solidFill>
-            <a:srgbClr val="00E400">
-              <a:alpha val="12000"/>
-            </a:srgbClr>
-          </a:solidFill>
-          <a:ln>
-            <a:noFill/>
-          </a:ln>
-        </p:spPr>
-        <p:style>
-          <a:lnRef idx="2">
-            <a:schemeClr val="accent1">
-              <a:shade val="50000"/>
-            </a:schemeClr>
-          </a:lnRef>
-          <a:fillRef idx="1">
-            <a:schemeClr val="accent1"/>
-          </a:fillRef>
-          <a:effectRef idx="0">
-            <a:schemeClr val="accent1"/>
-          </a:effectRef>
-          <a:fontRef idx="minor">
-            <a:schemeClr val="lt1"/>
-          </a:fontRef>
-        </p:style>
-        <p:txBody>
-          <a:bodyPr rtlCol="0" anchor="ctr"/>
-          <a:lstStyle/>
-          <a:p>
-            <a:pPr algn="ctr"/>
-            <a:endParaRPr lang="en-GB"/>
-          </a:p>
-        </p:txBody>
-      </p:sp>
-      <p:sp>
-        <p:nvSpPr>
-          <p:cNvPr id="13" name="Rectangle 12">
-            <a:extLst>
-              <a:ext uri="{FF2B5EF4-FFF2-40B4-BE49-F238E27FC236}">
-                <a16:creationId xmlns:a16="http://schemas.microsoft.com/office/drawing/2014/main" id="{97E96893-47A3-AF91-26A4-6DB3D9D31B60}"/>
-              </a:ext>
-            </a:extLst>
-          </p:cNvPr>
-          <p:cNvSpPr/>
-          <p:nvPr/>
-        </p:nvSpPr>
-        <p:spPr>
-          <a:xfrm>
-            <a:off x="0" y="4320000"/>
-            <a:ext cx="4320381" cy="4320381"/>
-          </a:xfrm>
-          <a:prstGeom prst="rect">
-            <a:avLst/>
-          </a:prstGeom>
-          <a:solidFill>
-            <a:srgbClr val="0432FF">
-              <a:alpha val="9804"/>
-            </a:srgbClr>
-          </a:solidFill>
-          <a:ln>
-            <a:noFill/>
-          </a:ln>
-        </p:spPr>
-        <p:style>
-          <a:lnRef idx="2">
-            <a:schemeClr val="accent1">
-              <a:shade val="50000"/>
-            </a:schemeClr>
-          </a:lnRef>
-          <a:fillRef idx="1">
-            <a:schemeClr val="accent1"/>
-          </a:fillRef>
-          <a:effectRef idx="0">
-            <a:schemeClr val="accent1"/>
-          </a:effectRef>
-          <a:fontRef idx="minor">
-            <a:schemeClr val="lt1"/>
-          </a:fontRef>
-        </p:style>
-        <p:txBody>
-          <a:bodyPr rtlCol="0" anchor="ctr"/>
-          <a:lstStyle/>
-          <a:p>
-            <a:pPr algn="ctr"/>
-            <a:endParaRPr lang="en-GB"/>
-          </a:p>
-        </p:txBody>
-      </p:sp>
     </p:spTree>
     <p:extLst>
       <p:ext uri="{BB962C8B-B14F-4D97-AF65-F5344CB8AC3E}">
